--- a/bacchus/group3.pptx
+++ b/bacchus/group3.pptx
@@ -16,6 +16,7 @@
     <p:sldId id="261" r:id="rId11"/>
     <p:sldId id="262" r:id="rId12"/>
     <p:sldId id="263" r:id="rId13"/>
+    <p:sldId id="264" r:id="rId14"/>
   </p:sldIdLst>
   <p:sldSz cy="5143500" cx="9144000"/>
   <p:notesSz cx="6858000" cy="9144000"/>
@@ -264,7 +265,7 @@
       </p15:sldGuideLst>
     </p:ext>
     <p:ext uri="GoogleSlidesCustomDataVersion2">
-      <go:slidesCustomData xmlns:go="http://customooxmlschemas.google.com/" r:id="rId14" roundtripDataSignature="AMtx7mivH0N/Is8byEipbjGMUfY7Awt9lA=="/>
+      <go:slidesCustomData xmlns:go="http://customooxmlschemas.google.com/" r:id="rId15" roundtripDataSignature="AMtx7mhcbdWOm15V2V1/kfYQMrBmbD012g=="/>
     </p:ext>
   </p:extLst>
 </p:presentation>
@@ -1828,7 +1829,7 @@
   <p:cSld>
     <p:spTree>
       <p:nvGrpSpPr>
-        <p:cNvPr id="117" name="Shape 117"/>
+        <p:cNvPr id="114" name="Shape 114"/>
         <p:cNvGrpSpPr/>
         <p:nvPr/>
       </p:nvGrpSpPr>
@@ -1842,7 +1843,7 @@
       </p:grpSpPr>
       <p:sp>
         <p:nvSpPr>
-          <p:cNvPr id="118" name="Google Shape;118;g2594f46422e_0_17:notes"/>
+          <p:cNvPr id="115" name="Google Shape;115;g23198fded8a_0_0:notes"/>
           <p:cNvSpPr/>
           <p:nvPr>
             <p:ph idx="2" type="sldImg"/>
@@ -1877,7 +1878,7 @@
       </p:sp>
       <p:sp>
         <p:nvSpPr>
-          <p:cNvPr id="119" name="Google Shape;119;g2594f46422e_0_17:notes"/>
+          <p:cNvPr id="116" name="Google Shape;116;g23198fded8a_0_0:notes"/>
           <p:cNvSpPr txBox="1"/>
           <p:nvPr>
             <p:ph idx="1" type="body"/>
@@ -1916,7 +1917,7 @@
       </p:sp>
       <p:sp>
         <p:nvSpPr>
-          <p:cNvPr id="120" name="Google Shape;120;g2594f46422e_0_17:notes"/>
+          <p:cNvPr id="117" name="Google Shape;117;g23198fded8a_0_0:notes"/>
           <p:cNvSpPr txBox="1"/>
           <p:nvPr>
             <p:ph idx="12" type="sldNum"/>
@@ -1944,6 +1945,10 @@
               <a:spcAft>
                 <a:spcPts val="0"/>
               </a:spcAft>
+              <a:buClr>
+                <a:srgbClr val="000000"/>
+              </a:buClr>
+              <a:buFont typeface="Arial"/>
               <a:buNone/>
             </a:pPr>
             <a:fld id="{00000000-1234-1234-1234-123412341234}" type="slidenum">
@@ -1967,7 +1972,7 @@
   <p:cSld>
     <p:spTree>
       <p:nvGrpSpPr>
-        <p:cNvPr id="124" name="Shape 124"/>
+        <p:cNvPr id="122" name="Shape 122"/>
         <p:cNvGrpSpPr/>
         <p:nvPr/>
       </p:nvGrpSpPr>
@@ -1981,46 +1986,7 @@
       </p:grpSpPr>
       <p:sp>
         <p:nvSpPr>
-          <p:cNvPr id="125" name="Google Shape;125;p2:notes"/>
-          <p:cNvSpPr txBox="1"/>
-          <p:nvPr>
-            <p:ph idx="1" type="body"/>
-          </p:nvPr>
-        </p:nvSpPr>
-        <p:spPr>
-          <a:xfrm>
-            <a:off x="685800" y="4400550"/>
-            <a:ext cx="5486400" cy="3600450"/>
-          </a:xfrm>
-          <a:prstGeom prst="rect">
-            <a:avLst/>
-          </a:prstGeom>
-        </p:spPr>
-        <p:txBody>
-          <a:bodyPr anchorCtr="0" anchor="t" bIns="45700" lIns="91425" spcFirstLastPara="1" rIns="91425" wrap="square" tIns="45700">
-            <a:noAutofit/>
-          </a:bodyPr>
-          <a:lstStyle/>
-          <a:p>
-            <a:pPr indent="0" lvl="0" marL="0" rtl="0" algn="l">
-              <a:spcBef>
-                <a:spcPts val="0"/>
-              </a:spcBef>
-              <a:spcAft>
-                <a:spcPts val="0"/>
-              </a:spcAft>
-              <a:buNone/>
-            </a:pPr>
-            <a:r>
-              <a:t/>
-            </a:r>
-            <a:endParaRPr/>
-          </a:p>
-        </p:txBody>
-      </p:sp>
-      <p:sp>
-        <p:nvSpPr>
-          <p:cNvPr id="126" name="Google Shape;126;p2:notes"/>
+          <p:cNvPr id="123" name="Google Shape;123;g2594f46422e_0_17:notes"/>
           <p:cNvSpPr/>
           <p:nvPr>
             <p:ph idx="2" type="sldImg"/>
@@ -2053,6 +2019,85 @@
           </a:custGeom>
         </p:spPr>
       </p:sp>
+      <p:sp>
+        <p:nvSpPr>
+          <p:cNvPr id="124" name="Google Shape;124;g2594f46422e_0_17:notes"/>
+          <p:cNvSpPr txBox="1"/>
+          <p:nvPr>
+            <p:ph idx="1" type="body"/>
+          </p:nvPr>
+        </p:nvSpPr>
+        <p:spPr>
+          <a:xfrm>
+            <a:off x="685800" y="4400550"/>
+            <a:ext cx="5486400" cy="3600600"/>
+          </a:xfrm>
+          <a:prstGeom prst="rect">
+            <a:avLst/>
+          </a:prstGeom>
+        </p:spPr>
+        <p:txBody>
+          <a:bodyPr anchorCtr="0" anchor="t" bIns="45700" lIns="91425" spcFirstLastPara="1" rIns="91425" wrap="square" tIns="45700">
+            <a:noAutofit/>
+          </a:bodyPr>
+          <a:lstStyle/>
+          <a:p>
+            <a:pPr indent="0" lvl="0" marL="0" rtl="0" algn="l">
+              <a:spcBef>
+                <a:spcPts val="0"/>
+              </a:spcBef>
+              <a:spcAft>
+                <a:spcPts val="0"/>
+              </a:spcAft>
+              <a:buNone/>
+            </a:pPr>
+            <a:r>
+              <a:t/>
+            </a:r>
+            <a:endParaRPr/>
+          </a:p>
+        </p:txBody>
+      </p:sp>
+      <p:sp>
+        <p:nvSpPr>
+          <p:cNvPr id="125" name="Google Shape;125;g2594f46422e_0_17:notes"/>
+          <p:cNvSpPr txBox="1"/>
+          <p:nvPr>
+            <p:ph idx="12" type="sldNum"/>
+          </p:nvPr>
+        </p:nvSpPr>
+        <p:spPr>
+          <a:xfrm>
+            <a:off x="3884613" y="8685213"/>
+            <a:ext cx="2971800" cy="458700"/>
+          </a:xfrm>
+          <a:prstGeom prst="rect">
+            <a:avLst/>
+          </a:prstGeom>
+        </p:spPr>
+        <p:txBody>
+          <a:bodyPr anchorCtr="0" anchor="b" bIns="45700" lIns="91425" spcFirstLastPara="1" rIns="91425" wrap="square" tIns="45700">
+            <a:noAutofit/>
+          </a:bodyPr>
+          <a:lstStyle/>
+          <a:p>
+            <a:pPr indent="0" lvl="0" marL="0" rtl="0" algn="r">
+              <a:spcBef>
+                <a:spcPts val="0"/>
+              </a:spcBef>
+              <a:spcAft>
+                <a:spcPts val="0"/>
+              </a:spcAft>
+              <a:buNone/>
+            </a:pPr>
+            <a:fld id="{00000000-1234-1234-1234-123412341234}" type="slidenum">
+              <a:rPr lang="en-US"/>
+              <a:t>‹#›</a:t>
+            </a:fld>
+            <a:endParaRPr/>
+          </a:p>
+        </p:txBody>
+      </p:sp>
     </p:spTree>
   </p:cSld>
   <p:clrMapOvr>
@@ -2066,7 +2111,7 @@
   <p:cSld>
     <p:spTree>
       <p:nvGrpSpPr>
-        <p:cNvPr id="130" name="Shape 130"/>
+        <p:cNvPr id="129" name="Shape 129"/>
         <p:cNvGrpSpPr/>
         <p:nvPr/>
       </p:nvGrpSpPr>
@@ -2080,7 +2125,7 @@
       </p:grpSpPr>
       <p:sp>
         <p:nvSpPr>
-          <p:cNvPr id="131" name="Google Shape;131;p3:notes"/>
+          <p:cNvPr id="130" name="Google Shape;130;p2:notes"/>
           <p:cNvSpPr txBox="1"/>
           <p:nvPr>
             <p:ph idx="1" type="body"/>
@@ -2119,7 +2164,7 @@
       </p:sp>
       <p:sp>
         <p:nvSpPr>
-          <p:cNvPr id="132" name="Google Shape;132;p3:notes"/>
+          <p:cNvPr id="131" name="Google Shape;131;p2:notes"/>
           <p:cNvSpPr/>
           <p:nvPr>
             <p:ph idx="2" type="sldImg"/>
@@ -2165,7 +2210,7 @@
   <p:cSld>
     <p:spTree>
       <p:nvGrpSpPr>
-        <p:cNvPr id="136" name="Shape 136"/>
+        <p:cNvPr id="135" name="Shape 135"/>
         <p:cNvGrpSpPr/>
         <p:nvPr/>
       </p:nvGrpSpPr>
@@ -2179,7 +2224,7 @@
       </p:grpSpPr>
       <p:sp>
         <p:nvSpPr>
-          <p:cNvPr id="137" name="Google Shape;137;g2594f46422e_0_1:notes"/>
+          <p:cNvPr id="136" name="Google Shape;136;p3:notes"/>
           <p:cNvSpPr txBox="1"/>
           <p:nvPr>
             <p:ph idx="1" type="body"/>
@@ -2188,7 +2233,7 @@
         <p:spPr>
           <a:xfrm>
             <a:off x="685800" y="4400550"/>
-            <a:ext cx="5486400" cy="3600600"/>
+            <a:ext cx="5486400" cy="3600450"/>
           </a:xfrm>
           <a:prstGeom prst="rect">
             <a:avLst/>
@@ -2218,7 +2263,7 @@
       </p:sp>
       <p:sp>
         <p:nvSpPr>
-          <p:cNvPr id="138" name="Google Shape;138;g2594f46422e_0_1:notes"/>
+          <p:cNvPr id="137" name="Google Shape;137;p3:notes"/>
           <p:cNvSpPr/>
           <p:nvPr>
             <p:ph idx="2" type="sldImg"/>
@@ -2264,7 +2309,7 @@
   <p:cSld>
     <p:spTree>
       <p:nvGrpSpPr>
-        <p:cNvPr id="142" name="Shape 142"/>
+        <p:cNvPr id="141" name="Shape 141"/>
         <p:cNvGrpSpPr/>
         <p:nvPr/>
       </p:nvGrpSpPr>
@@ -2278,7 +2323,7 @@
       </p:grpSpPr>
       <p:sp>
         <p:nvSpPr>
-          <p:cNvPr id="143" name="Google Shape;143;g2594f46422e_0_6:notes"/>
+          <p:cNvPr id="142" name="Google Shape;142;g2594f46422e_0_1:notes"/>
           <p:cNvSpPr txBox="1"/>
           <p:nvPr>
             <p:ph idx="1" type="body"/>
@@ -2317,7 +2362,106 @@
       </p:sp>
       <p:sp>
         <p:nvSpPr>
-          <p:cNvPr id="144" name="Google Shape;144;g2594f46422e_0_6:notes"/>
+          <p:cNvPr id="143" name="Google Shape;143;g2594f46422e_0_1:notes"/>
+          <p:cNvSpPr/>
+          <p:nvPr>
+            <p:ph idx="2" type="sldImg"/>
+          </p:nvPr>
+        </p:nvSpPr>
+        <p:spPr>
+          <a:xfrm>
+            <a:off x="685800" y="1143000"/>
+            <a:ext cx="5486400" cy="3086100"/>
+          </a:xfrm>
+          <a:custGeom>
+            <a:rect b="b" l="l" r="r" t="t"/>
+            <a:pathLst>
+              <a:path extrusionOk="0" h="120000" w="120000">
+                <a:moveTo>
+                  <a:pt x="0" y="0"/>
+                </a:moveTo>
+                <a:lnTo>
+                  <a:pt x="120000" y="0"/>
+                </a:lnTo>
+                <a:lnTo>
+                  <a:pt x="120000" y="120000"/>
+                </a:lnTo>
+                <a:lnTo>
+                  <a:pt x="0" y="120000"/>
+                </a:lnTo>
+                <a:close/>
+              </a:path>
+            </a:pathLst>
+          </a:custGeom>
+        </p:spPr>
+      </p:sp>
+    </p:spTree>
+  </p:cSld>
+  <p:clrMapOvr>
+    <a:masterClrMapping/>
+  </p:clrMapOvr>
+</p:notes>
+</file>
+
+<file path=ppt/notesSlides/notesSlide9.xml><?xml version="1.0" encoding="utf-8"?>
+<p:notes xmlns:a="http://schemas.openxmlformats.org/drawingml/2006/main" xmlns:r="http://schemas.openxmlformats.org/officeDocument/2006/relationships" xmlns:mc="http://schemas.openxmlformats.org/markup-compatibility/2006" xmlns:mv="urn:schemas-microsoft-com:mac:vml" xmlns:p="http://schemas.openxmlformats.org/presentationml/2006/main" xmlns:c="http://schemas.openxmlformats.org/drawingml/2006/chart" xmlns:dgm="http://schemas.openxmlformats.org/drawingml/2006/diagram" xmlns:o="urn:schemas-microsoft-com:office:office" xmlns:v="urn:schemas-microsoft-com:vml" xmlns:pvml="urn:schemas-microsoft-com:office:powerpoint" xmlns:com="http://schemas.openxmlformats.org/drawingml/2006/compatibility" xmlns:p14="http://schemas.microsoft.com/office/powerpoint/2010/main" xmlns:p15="http://schemas.microsoft.com/office/powerpoint/2012/main" xmlns:ahyp="http://schemas.microsoft.com/office/drawing/2018/hyperlinkcolor" showMasterPhAnim="0" showMasterSp="0">
+  <p:cSld>
+    <p:spTree>
+      <p:nvGrpSpPr>
+        <p:cNvPr id="147" name="Shape 147"/>
+        <p:cNvGrpSpPr/>
+        <p:nvPr/>
+      </p:nvGrpSpPr>
+      <p:grpSpPr>
+        <a:xfrm>
+          <a:off x="0" y="0"/>
+          <a:ext cx="0" cy="0"/>
+          <a:chOff x="0" y="0"/>
+          <a:chExt cx="0" cy="0"/>
+        </a:xfrm>
+      </p:grpSpPr>
+      <p:sp>
+        <p:nvSpPr>
+          <p:cNvPr id="148" name="Google Shape;148;g2594f46422e_0_6:notes"/>
+          <p:cNvSpPr txBox="1"/>
+          <p:nvPr>
+            <p:ph idx="1" type="body"/>
+          </p:nvPr>
+        </p:nvSpPr>
+        <p:spPr>
+          <a:xfrm>
+            <a:off x="685800" y="4400550"/>
+            <a:ext cx="5486400" cy="3600600"/>
+          </a:xfrm>
+          <a:prstGeom prst="rect">
+            <a:avLst/>
+          </a:prstGeom>
+        </p:spPr>
+        <p:txBody>
+          <a:bodyPr anchorCtr="0" anchor="t" bIns="45700" lIns="91425" spcFirstLastPara="1" rIns="91425" wrap="square" tIns="45700">
+            <a:noAutofit/>
+          </a:bodyPr>
+          <a:lstStyle/>
+          <a:p>
+            <a:pPr indent="0" lvl="0" marL="0" rtl="0" algn="l">
+              <a:spcBef>
+                <a:spcPts val="0"/>
+              </a:spcBef>
+              <a:spcAft>
+                <a:spcPts val="0"/>
+              </a:spcAft>
+              <a:buNone/>
+            </a:pPr>
+            <a:r>
+              <a:t/>
+            </a:r>
+            <a:endParaRPr/>
+          </a:p>
+        </p:txBody>
+      </p:sp>
+      <p:sp>
+        <p:nvSpPr>
+          <p:cNvPr id="149" name="Google Shape;149;g2594f46422e_0_6:notes"/>
           <p:cNvSpPr/>
           <p:nvPr>
             <p:ph idx="2" type="sldImg"/>
@@ -13233,8 +13377,8 @@
         </p:nvSpPr>
         <p:spPr>
           <a:xfrm>
-            <a:off x="246554" y="1001939"/>
-            <a:ext cx="4040100" cy="479700"/>
+            <a:off x="271125" y="1155578"/>
+            <a:ext cx="8897400" cy="255900"/>
           </a:xfrm>
           <a:prstGeom prst="rect">
             <a:avLst/>
@@ -13242,7 +13386,7 @@
         </p:spPr>
         <p:txBody>
           <a:bodyPr anchorCtr="0" anchor="b" bIns="45700" lIns="91425" spcFirstLastPara="1" rIns="91425" wrap="square" tIns="45700">
-            <a:normAutofit fontScale="85000" lnSpcReduction="20000"/>
+            <a:normAutofit fontScale="92500" lnSpcReduction="20000"/>
           </a:bodyPr>
           <a:lstStyle/>
           <a:p>
@@ -13287,7 +13431,7 @@
         <p:spPr>
           <a:xfrm>
             <a:off x="-150000" y="1481650"/>
-            <a:ext cx="4576800" cy="3593100"/>
+            <a:ext cx="9271500" cy="3661800"/>
           </a:xfrm>
           <a:prstGeom prst="rect">
             <a:avLst/>
@@ -13295,11 +13439,11 @@
         </p:spPr>
         <p:txBody>
           <a:bodyPr anchorCtr="0" anchor="t" bIns="45700" lIns="91425" spcFirstLastPara="1" rIns="91425" wrap="square" tIns="45700">
-            <a:normAutofit fontScale="92500" lnSpcReduction="20000"/>
+            <a:noAutofit/>
           </a:bodyPr>
           <a:lstStyle/>
           <a:p>
-            <a:pPr indent="-293211" lvl="0" marL="457200" rtl="0" algn="l">
+            <a:pPr indent="-311150" lvl="0" marL="457200" rtl="0" algn="l">
               <a:lnSpc>
                 <a:spcPct val="115000"/>
               </a:lnSpc>
@@ -13309,11 +13453,11 @@
               <a:spcAft>
                 <a:spcPts val="0"/>
               </a:spcAft>
-              <a:buSzPct val="100000"/>
+              <a:buSzPts val="1300"/>
               <a:buAutoNum type="arabicPeriod"/>
             </a:pPr>
             <a:r>
-              <a:rPr b="1" lang="en-US" sz="1100">
+              <a:rPr b="1" lang="en-US" sz="1300">
                 <a:latin typeface="Arial"/>
                 <a:ea typeface="Arial"/>
                 <a:cs typeface="Arial"/>
@@ -13321,7 +13465,7 @@
               </a:rPr>
               <a:t>Business Rules:</a:t>
             </a:r>
-            <a:endParaRPr b="1" sz="1100">
+            <a:endParaRPr b="1" sz="1300">
               <a:latin typeface="Arial"/>
               <a:ea typeface="Arial"/>
               <a:cs typeface="Arial"/>
@@ -13329,7 +13473,7 @@
             </a:endParaRPr>
           </a:p>
           <a:p>
-            <a:pPr indent="-293211" lvl="1" marL="914400" rtl="0" algn="l">
+            <a:pPr indent="-311150" lvl="1" marL="914400" rtl="0" algn="l">
               <a:lnSpc>
                 <a:spcPct val="115000"/>
               </a:lnSpc>
@@ -13339,11 +13483,11 @@
               <a:spcAft>
                 <a:spcPts val="0"/>
               </a:spcAft>
-              <a:buSzPct val="100000"/>
+              <a:buSzPts val="1300"/>
               <a:buChar char="○"/>
             </a:pPr>
             <a:r>
-              <a:rPr lang="en-US" sz="1100">
+              <a:rPr lang="en-US" sz="1300">
                 <a:latin typeface="Arial"/>
                 <a:ea typeface="Arial"/>
                 <a:cs typeface="Arial"/>
@@ -13352,7 +13496,7 @@
               <a:t>An </a:t>
             </a:r>
             <a:r>
-              <a:rPr b="1" lang="en-US" sz="1100">
+              <a:rPr b="1" lang="en-US" sz="1300">
                 <a:latin typeface="Arial"/>
                 <a:ea typeface="Arial"/>
                 <a:cs typeface="Arial"/>
@@ -13361,7 +13505,7 @@
               <a:t>Employee </a:t>
             </a:r>
             <a:r>
-              <a:rPr lang="en-US" sz="1100">
+              <a:rPr lang="en-US" sz="1300">
                 <a:latin typeface="Arial"/>
                 <a:ea typeface="Arial"/>
                 <a:cs typeface="Arial"/>
@@ -13370,7 +13514,7 @@
               <a:t>is on one or many </a:t>
             </a:r>
             <a:r>
-              <a:rPr b="1" lang="en-US" sz="1100">
+              <a:rPr b="1" lang="en-US" sz="1300">
                 <a:latin typeface="Arial"/>
                 <a:ea typeface="Arial"/>
                 <a:cs typeface="Arial"/>
@@ -13379,7 +13523,7 @@
               <a:t>Payroll </a:t>
             </a:r>
             <a:r>
-              <a:rPr lang="en-US" sz="1100">
+              <a:rPr lang="en-US" sz="1300">
                 <a:latin typeface="Arial"/>
                 <a:ea typeface="Arial"/>
                 <a:cs typeface="Arial"/>
@@ -13387,7 +13531,7 @@
               </a:rPr>
               <a:t>reports.</a:t>
             </a:r>
-            <a:endParaRPr sz="1100">
+            <a:endParaRPr sz="1300">
               <a:latin typeface="Arial"/>
               <a:ea typeface="Arial"/>
               <a:cs typeface="Arial"/>
@@ -13395,7 +13539,7 @@
             </a:endParaRPr>
           </a:p>
           <a:p>
-            <a:pPr indent="-293211" lvl="1" marL="914400" rtl="0" algn="l">
+            <a:pPr indent="-311150" lvl="1" marL="914400" rtl="0" algn="l">
               <a:lnSpc>
                 <a:spcPct val="115000"/>
               </a:lnSpc>
@@ -13405,11 +13549,11 @@
               <a:spcAft>
                 <a:spcPts val="0"/>
               </a:spcAft>
-              <a:buSzPct val="100000"/>
+              <a:buSzPts val="1300"/>
               <a:buChar char="○"/>
             </a:pPr>
             <a:r>
-              <a:rPr lang="en-US" sz="1100">
+              <a:rPr lang="en-US" sz="1300">
                 <a:latin typeface="Arial"/>
                 <a:ea typeface="Arial"/>
                 <a:cs typeface="Arial"/>
@@ -13418,7 +13562,7 @@
               <a:t>A </a:t>
             </a:r>
             <a:r>
-              <a:rPr b="1" lang="en-US" sz="1100">
+              <a:rPr b="1" lang="en-US" sz="1300">
                 <a:latin typeface="Arial"/>
                 <a:ea typeface="Arial"/>
                 <a:cs typeface="Arial"/>
@@ -13427,7 +13571,7 @@
               <a:t>Supplier </a:t>
             </a:r>
             <a:r>
-              <a:rPr lang="en-US" sz="1100">
+              <a:rPr lang="en-US" sz="1300">
                 <a:latin typeface="Arial"/>
                 <a:ea typeface="Arial"/>
                 <a:cs typeface="Arial"/>
@@ -13436,7 +13580,7 @@
               <a:t>may have one or many </a:t>
             </a:r>
             <a:r>
-              <a:rPr b="1" lang="en-US" sz="1100">
+              <a:rPr b="1" lang="en-US" sz="1300">
                 <a:latin typeface="Arial"/>
                 <a:ea typeface="Arial"/>
                 <a:cs typeface="Arial"/>
@@ -13445,7 +13589,7 @@
               <a:t>Supplies </a:t>
             </a:r>
             <a:r>
-              <a:rPr lang="en-US" sz="1100">
+              <a:rPr lang="en-US" sz="1300">
                 <a:latin typeface="Arial"/>
                 <a:ea typeface="Arial"/>
                 <a:cs typeface="Arial"/>
@@ -13453,7 +13597,7 @@
               </a:rPr>
               <a:t>deliveries.</a:t>
             </a:r>
-            <a:endParaRPr sz="1100">
+            <a:endParaRPr sz="1300">
               <a:latin typeface="Arial"/>
               <a:ea typeface="Arial"/>
               <a:cs typeface="Arial"/>
@@ -13461,7 +13605,7 @@
             </a:endParaRPr>
           </a:p>
           <a:p>
-            <a:pPr indent="-293211" lvl="1" marL="914400" rtl="0" algn="l">
+            <a:pPr indent="-311150" lvl="1" marL="914400" rtl="0" algn="l">
               <a:lnSpc>
                 <a:spcPct val="115000"/>
               </a:lnSpc>
@@ -13471,11 +13615,11 @@
               <a:spcAft>
                 <a:spcPts val="0"/>
               </a:spcAft>
-              <a:buSzPct val="100000"/>
+              <a:buSzPts val="1300"/>
               <a:buChar char="○"/>
             </a:pPr>
             <a:r>
-              <a:rPr lang="en-US" sz="1100">
+              <a:rPr lang="en-US" sz="1300">
                 <a:latin typeface="Arial"/>
                 <a:ea typeface="Arial"/>
                 <a:cs typeface="Arial"/>
@@ -13484,7 +13628,7 @@
               <a:t>One or many </a:t>
             </a:r>
             <a:r>
-              <a:rPr b="1" lang="en-US" sz="1100">
+              <a:rPr b="1" lang="en-US" sz="1300">
                 <a:latin typeface="Arial"/>
                 <a:ea typeface="Arial"/>
                 <a:cs typeface="Arial"/>
@@ -13493,7 +13637,7 @@
               <a:t>Distributors </a:t>
             </a:r>
             <a:r>
-              <a:rPr lang="en-US" sz="1100">
+              <a:rPr lang="en-US" sz="1300">
                 <a:latin typeface="Arial"/>
                 <a:ea typeface="Arial"/>
                 <a:cs typeface="Arial"/>
@@ -13502,7 +13646,7 @@
               <a:t>may carry one or many </a:t>
             </a:r>
             <a:r>
-              <a:rPr b="1" lang="en-US" sz="1100">
+              <a:rPr b="1" lang="en-US" sz="1300">
                 <a:latin typeface="Arial"/>
                 <a:ea typeface="Arial"/>
                 <a:cs typeface="Arial"/>
@@ -13511,7 +13655,7 @@
               <a:t>Wines</a:t>
             </a:r>
             <a:r>
-              <a:rPr lang="en-US" sz="1100">
+              <a:rPr lang="en-US" sz="1300">
                 <a:latin typeface="Arial"/>
                 <a:ea typeface="Arial"/>
                 <a:cs typeface="Arial"/>
@@ -13519,7 +13663,7 @@
               </a:rPr>
               <a:t>.</a:t>
             </a:r>
-            <a:endParaRPr sz="1100">
+            <a:endParaRPr sz="1300">
               <a:latin typeface="Arial"/>
               <a:ea typeface="Arial"/>
               <a:cs typeface="Arial"/>
@@ -13527,7 +13671,7 @@
             </a:endParaRPr>
           </a:p>
           <a:p>
-            <a:pPr indent="-293211" lvl="1" marL="914400" rtl="0" algn="l">
+            <a:pPr indent="-311150" lvl="1" marL="914400" rtl="0" algn="l">
               <a:lnSpc>
                 <a:spcPct val="115000"/>
               </a:lnSpc>
@@ -13537,11 +13681,11 @@
               <a:spcAft>
                 <a:spcPts val="0"/>
               </a:spcAft>
-              <a:buSzPct val="100000"/>
+              <a:buSzPts val="1300"/>
               <a:buChar char="○"/>
             </a:pPr>
             <a:r>
-              <a:rPr lang="en-US" sz="1100">
+              <a:rPr lang="en-US" sz="1300">
                 <a:latin typeface="Arial"/>
                 <a:ea typeface="Arial"/>
                 <a:cs typeface="Arial"/>
@@ -13550,7 +13694,7 @@
               <a:t>One type of </a:t>
             </a:r>
             <a:r>
-              <a:rPr b="1" lang="en-US" sz="1100">
+              <a:rPr b="1" lang="en-US" sz="1300">
                 <a:latin typeface="Arial"/>
                 <a:ea typeface="Arial"/>
                 <a:cs typeface="Arial"/>
@@ -13559,7 +13703,7 @@
               <a:t>Wine </a:t>
             </a:r>
             <a:r>
-              <a:rPr lang="en-US" sz="1100">
+              <a:rPr lang="en-US" sz="1300">
                 <a:latin typeface="Arial"/>
                 <a:ea typeface="Arial"/>
                 <a:cs typeface="Arial"/>
@@ -13568,7 +13712,7 @@
               <a:t>may be made by one or many </a:t>
             </a:r>
             <a:r>
-              <a:rPr b="1" lang="en-US" sz="1100">
+              <a:rPr b="1" lang="en-US" sz="1300">
                 <a:latin typeface="Arial"/>
                 <a:ea typeface="Arial"/>
                 <a:cs typeface="Arial"/>
@@ -13577,7 +13721,7 @@
               <a:t>Harvests</a:t>
             </a:r>
             <a:r>
-              <a:rPr lang="en-US" sz="1100">
+              <a:rPr lang="en-US" sz="1300">
                 <a:latin typeface="Arial"/>
                 <a:ea typeface="Arial"/>
                 <a:cs typeface="Arial"/>
@@ -13585,7 +13729,7 @@
               </a:rPr>
               <a:t>.</a:t>
             </a:r>
-            <a:endParaRPr sz="1100">
+            <a:endParaRPr sz="1300">
               <a:latin typeface="Arial"/>
               <a:ea typeface="Arial"/>
               <a:cs typeface="Arial"/>
@@ -13593,7 +13737,7 @@
             </a:endParaRPr>
           </a:p>
           <a:p>
-            <a:pPr indent="-293211" lvl="1" marL="914400" rtl="0" algn="l">
+            <a:pPr indent="-311150" lvl="1" marL="914400" rtl="0" algn="l">
               <a:lnSpc>
                 <a:spcPct val="115000"/>
               </a:lnSpc>
@@ -13603,11 +13747,11 @@
               <a:spcAft>
                 <a:spcPts val="0"/>
               </a:spcAft>
-              <a:buSzPct val="100000"/>
+              <a:buSzPts val="1300"/>
               <a:buChar char="○"/>
             </a:pPr>
             <a:r>
-              <a:rPr lang="en-US" sz="1100">
+              <a:rPr lang="en-US" sz="1300">
                 <a:latin typeface="Arial"/>
                 <a:ea typeface="Arial"/>
                 <a:cs typeface="Arial"/>
@@ -13616,7 +13760,7 @@
               <a:t>One or many types of </a:t>
             </a:r>
             <a:r>
-              <a:rPr b="1" lang="en-US" sz="1100">
+              <a:rPr b="1" lang="en-US" sz="1300">
                 <a:latin typeface="Arial"/>
                 <a:ea typeface="Arial"/>
                 <a:cs typeface="Arial"/>
@@ -13625,7 +13769,7 @@
               <a:t>Wine </a:t>
             </a:r>
             <a:r>
-              <a:rPr lang="en-US" sz="1100">
+              <a:rPr lang="en-US" sz="1300">
                 <a:latin typeface="Arial"/>
                 <a:ea typeface="Arial"/>
                 <a:cs typeface="Arial"/>
@@ -13634,7 +13778,7 @@
               <a:t>may be supplied by one or many </a:t>
             </a:r>
             <a:r>
-              <a:rPr b="1" lang="en-US" sz="1100">
+              <a:rPr b="1" lang="en-US" sz="1300">
                 <a:latin typeface="Arial"/>
                 <a:ea typeface="Arial"/>
                 <a:cs typeface="Arial"/>
@@ -13643,7 +13787,7 @@
               <a:t>Suppliers</a:t>
             </a:r>
             <a:r>
-              <a:rPr lang="en-US" sz="1100">
+              <a:rPr lang="en-US" sz="1300">
                 <a:latin typeface="Arial"/>
                 <a:ea typeface="Arial"/>
                 <a:cs typeface="Arial"/>
@@ -13651,7 +13795,7 @@
               </a:rPr>
               <a:t>.</a:t>
             </a:r>
-            <a:endParaRPr sz="1100">
+            <a:endParaRPr sz="1300">
               <a:latin typeface="Arial"/>
               <a:ea typeface="Arial"/>
               <a:cs typeface="Arial"/>
@@ -13659,7 +13803,7 @@
             </a:endParaRPr>
           </a:p>
           <a:p>
-            <a:pPr indent="-293211" lvl="1" marL="914400" rtl="0" algn="l">
+            <a:pPr indent="-311150" lvl="1" marL="914400" rtl="0" algn="l">
               <a:lnSpc>
                 <a:spcPct val="115000"/>
               </a:lnSpc>
@@ -13669,11 +13813,11 @@
               <a:spcAft>
                 <a:spcPts val="0"/>
               </a:spcAft>
-              <a:buSzPct val="100000"/>
+              <a:buSzPts val="1300"/>
               <a:buChar char="○"/>
             </a:pPr>
             <a:r>
-              <a:rPr lang="en-US" sz="1100">
+              <a:rPr lang="en-US" sz="1300">
                 <a:latin typeface="Arial"/>
                 <a:ea typeface="Arial"/>
                 <a:cs typeface="Arial"/>
@@ -13682,7 +13826,7 @@
               <a:t>One </a:t>
             </a:r>
             <a:r>
-              <a:rPr b="1" lang="en-US" sz="1100">
+              <a:rPr b="1" lang="en-US" sz="1300">
                 <a:latin typeface="Arial"/>
                 <a:ea typeface="Arial"/>
                 <a:cs typeface="Arial"/>
@@ -13691,7 +13835,7 @@
               <a:t>Distributor </a:t>
             </a:r>
             <a:r>
-              <a:rPr lang="en-US" sz="1100">
+              <a:rPr lang="en-US" sz="1300">
                 <a:latin typeface="Arial"/>
                 <a:ea typeface="Arial"/>
                 <a:cs typeface="Arial"/>
@@ -13700,7 +13844,7 @@
               <a:t>can place one or many </a:t>
             </a:r>
             <a:r>
-              <a:rPr b="1" lang="en-US" sz="1100">
+              <a:rPr b="1" lang="en-US" sz="1300">
                 <a:latin typeface="Arial"/>
                 <a:ea typeface="Arial"/>
                 <a:cs typeface="Arial"/>
@@ -13709,7 +13853,7 @@
               <a:t>Wine_Orders</a:t>
             </a:r>
             <a:r>
-              <a:rPr lang="en-US" sz="1100">
+              <a:rPr lang="en-US" sz="1300">
                 <a:latin typeface="Arial"/>
                 <a:ea typeface="Arial"/>
                 <a:cs typeface="Arial"/>
@@ -13717,7 +13861,7 @@
               </a:rPr>
               <a:t>.</a:t>
             </a:r>
-            <a:endParaRPr sz="1100">
+            <a:endParaRPr sz="1300">
               <a:latin typeface="Arial"/>
               <a:ea typeface="Arial"/>
               <a:cs typeface="Arial"/>
@@ -13725,7 +13869,7 @@
             </a:endParaRPr>
           </a:p>
           <a:p>
-            <a:pPr indent="-293211" lvl="1" marL="914400" rtl="0" algn="l">
+            <a:pPr indent="-311150" lvl="1" marL="914400" rtl="0" algn="l">
               <a:lnSpc>
                 <a:spcPct val="115000"/>
               </a:lnSpc>
@@ -13735,11 +13879,11 @@
               <a:spcAft>
                 <a:spcPts val="0"/>
               </a:spcAft>
-              <a:buSzPct val="100000"/>
+              <a:buSzPts val="1300"/>
               <a:buChar char="○"/>
             </a:pPr>
             <a:r>
-              <a:rPr lang="en-US" sz="1100">
+              <a:rPr lang="en-US" sz="1300">
                 <a:latin typeface="Arial"/>
                 <a:ea typeface="Arial"/>
                 <a:cs typeface="Arial"/>
@@ -13748,7 +13892,7 @@
               <a:t>One </a:t>
             </a:r>
             <a:r>
-              <a:rPr b="1" lang="en-US" sz="1100">
+              <a:rPr b="1" lang="en-US" sz="1300">
                 <a:latin typeface="Arial"/>
                 <a:ea typeface="Arial"/>
                 <a:cs typeface="Arial"/>
@@ -13757,7 +13901,7 @@
               <a:t>Wine_Order </a:t>
             </a:r>
             <a:r>
-              <a:rPr lang="en-US" sz="1100">
+              <a:rPr lang="en-US" sz="1300">
                 <a:latin typeface="Arial"/>
                 <a:ea typeface="Arial"/>
                 <a:cs typeface="Arial"/>
@@ -13766,7 +13910,7 @@
               <a:t>includes one or many </a:t>
             </a:r>
             <a:r>
-              <a:rPr b="1" lang="en-US" sz="1100">
+              <a:rPr b="1" lang="en-US" sz="1300">
                 <a:latin typeface="Arial"/>
                 <a:ea typeface="Arial"/>
                 <a:cs typeface="Arial"/>
@@ -13775,7 +13919,7 @@
               <a:t>Shipments</a:t>
             </a:r>
             <a:r>
-              <a:rPr lang="en-US" sz="1100">
+              <a:rPr lang="en-US" sz="1300">
                 <a:latin typeface="Arial"/>
                 <a:ea typeface="Arial"/>
                 <a:cs typeface="Arial"/>
@@ -13783,7 +13927,7 @@
               </a:rPr>
               <a:t>.</a:t>
             </a:r>
-            <a:endParaRPr sz="1100">
+            <a:endParaRPr sz="1300">
               <a:latin typeface="Arial"/>
               <a:ea typeface="Arial"/>
               <a:cs typeface="Arial"/>
@@ -13791,7 +13935,7 @@
             </a:endParaRPr>
           </a:p>
           <a:p>
-            <a:pPr indent="-293211" lvl="1" marL="914400" rtl="0" algn="l">
+            <a:pPr indent="-311150" lvl="1" marL="914400" rtl="0" algn="l">
               <a:lnSpc>
                 <a:spcPct val="115000"/>
               </a:lnSpc>
@@ -13801,11 +13945,11 @@
               <a:spcAft>
                 <a:spcPts val="0"/>
               </a:spcAft>
-              <a:buSzPct val="100000"/>
+              <a:buSzPts val="1300"/>
               <a:buChar char="○"/>
             </a:pPr>
             <a:r>
-              <a:rPr lang="en-US" sz="1100">
+              <a:rPr lang="en-US" sz="1300">
                 <a:latin typeface="Arial"/>
                 <a:ea typeface="Arial"/>
                 <a:cs typeface="Arial"/>
@@ -13814,7 +13958,7 @@
               <a:t>One </a:t>
             </a:r>
             <a:r>
-              <a:rPr b="1" lang="en-US" sz="1100">
+              <a:rPr b="1" lang="en-US" sz="1300">
                 <a:latin typeface="Arial"/>
                 <a:ea typeface="Arial"/>
                 <a:cs typeface="Arial"/>
@@ -13823,7 +13967,7 @@
               <a:t>Wine </a:t>
             </a:r>
             <a:r>
-              <a:rPr lang="en-US" sz="1100">
+              <a:rPr lang="en-US" sz="1300">
                 <a:latin typeface="Arial"/>
                 <a:ea typeface="Arial"/>
                 <a:cs typeface="Arial"/>
@@ -13832,7 +13976,7 @@
               <a:t>may have zero, one, or many active </a:t>
             </a:r>
             <a:r>
-              <a:rPr b="1" lang="en-US" sz="1100">
+              <a:rPr b="1" lang="en-US" sz="1300">
                 <a:latin typeface="Arial"/>
                 <a:ea typeface="Arial"/>
                 <a:cs typeface="Arial"/>
@@ -13841,7 +13985,7 @@
               <a:t>Marketing </a:t>
             </a:r>
             <a:r>
-              <a:rPr lang="en-US" sz="1100">
+              <a:rPr lang="en-US" sz="1300">
                 <a:latin typeface="Arial"/>
                 <a:ea typeface="Arial"/>
                 <a:cs typeface="Arial"/>
@@ -13849,7 +13993,7 @@
               </a:rPr>
               <a:t>campaigns.</a:t>
             </a:r>
-            <a:endParaRPr sz="1100">
+            <a:endParaRPr sz="1300">
               <a:latin typeface="Arial"/>
               <a:ea typeface="Arial"/>
               <a:cs typeface="Arial"/>
@@ -13857,7 +14001,7 @@
             </a:endParaRPr>
           </a:p>
           <a:p>
-            <a:pPr indent="-293211" lvl="0" marL="457200" rtl="0" algn="l">
+            <a:pPr indent="-311150" lvl="0" marL="457200" rtl="0" algn="l">
               <a:lnSpc>
                 <a:spcPct val="115000"/>
               </a:lnSpc>
@@ -13867,11 +14011,11 @@
               <a:spcAft>
                 <a:spcPts val="0"/>
               </a:spcAft>
-              <a:buSzPct val="100000"/>
+              <a:buSzPts val="1300"/>
               <a:buAutoNum type="arabicPeriod"/>
             </a:pPr>
             <a:r>
-              <a:rPr b="1" lang="en-US" sz="1100">
+              <a:rPr b="1" lang="en-US" sz="1300">
                 <a:latin typeface="Arial"/>
                 <a:ea typeface="Arial"/>
                 <a:cs typeface="Arial"/>
@@ -13879,7 +14023,7 @@
               </a:rPr>
               <a:t>Assumptions:</a:t>
             </a:r>
-            <a:endParaRPr b="1" sz="1100">
+            <a:endParaRPr b="1" sz="1300">
               <a:latin typeface="Arial"/>
               <a:ea typeface="Arial"/>
               <a:cs typeface="Arial"/>
@@ -13887,7 +14031,7 @@
             </a:endParaRPr>
           </a:p>
           <a:p>
-            <a:pPr indent="-293211" lvl="1" marL="914400" rtl="0" algn="l">
+            <a:pPr indent="-311150" lvl="1" marL="914400" rtl="0" algn="l">
               <a:lnSpc>
                 <a:spcPct val="115000"/>
               </a:lnSpc>
@@ -13897,11 +14041,11 @@
               <a:spcAft>
                 <a:spcPts val="0"/>
               </a:spcAft>
-              <a:buSzPct val="100000"/>
+              <a:buSzPts val="1300"/>
               <a:buChar char="○"/>
             </a:pPr>
             <a:r>
-              <a:rPr lang="en-US" sz="1100">
+              <a:rPr lang="en-US" sz="1300">
                 <a:latin typeface="Arial"/>
                 <a:ea typeface="Arial"/>
                 <a:cs typeface="Arial"/>
@@ -13909,7 +14053,7 @@
               </a:rPr>
               <a:t>Each supplier provides a unique set of supplies, and there is no overlap in the types of supplies provided.</a:t>
             </a:r>
-            <a:endParaRPr sz="1100">
+            <a:endParaRPr sz="1300">
               <a:latin typeface="Arial"/>
               <a:ea typeface="Arial"/>
               <a:cs typeface="Arial"/>
@@ -13917,7 +14061,7 @@
             </a:endParaRPr>
           </a:p>
           <a:p>
-            <a:pPr indent="-293211" lvl="1" marL="914400" rtl="0" algn="l">
+            <a:pPr indent="-311150" lvl="1" marL="914400" rtl="0" algn="l">
               <a:lnSpc>
                 <a:spcPct val="115000"/>
               </a:lnSpc>
@@ -13927,11 +14071,11 @@
               <a:spcAft>
                 <a:spcPts val="0"/>
               </a:spcAft>
-              <a:buSzPct val="100000"/>
+              <a:buSzPts val="1300"/>
               <a:buChar char="○"/>
             </a:pPr>
             <a:r>
-              <a:rPr lang="en-US" sz="1100">
+              <a:rPr lang="en-US" sz="1300">
                 <a:latin typeface="Arial"/>
                 <a:ea typeface="Arial"/>
                 <a:cs typeface="Arial"/>
@@ -13939,7 +14083,7 @@
               </a:rPr>
               <a:t>The winery operates on a monthly supply cycle.</a:t>
             </a:r>
-            <a:endParaRPr sz="1100">
+            <a:endParaRPr sz="1300">
               <a:latin typeface="Arial"/>
               <a:ea typeface="Arial"/>
               <a:cs typeface="Arial"/>
@@ -13947,7 +14091,7 @@
             </a:endParaRPr>
           </a:p>
           <a:p>
-            <a:pPr indent="-293211" lvl="1" marL="914400" rtl="0" algn="l">
+            <a:pPr indent="-311150" lvl="1" marL="914400" rtl="0" algn="l">
               <a:lnSpc>
                 <a:spcPct val="115000"/>
               </a:lnSpc>
@@ -13957,11 +14101,11 @@
               <a:spcAft>
                 <a:spcPts val="0"/>
               </a:spcAft>
-              <a:buSzPct val="100000"/>
+              <a:buSzPts val="1300"/>
               <a:buChar char="○"/>
             </a:pPr>
             <a:r>
-              <a:rPr lang="en-US" sz="1100">
+              <a:rPr lang="en-US" sz="1300">
                 <a:latin typeface="Arial"/>
                 <a:ea typeface="Arial"/>
                 <a:cs typeface="Arial"/>
@@ -13969,7 +14113,7 @@
               </a:rPr>
               <a:t>The winery has a system in place to track employee hours.</a:t>
             </a:r>
-            <a:endParaRPr sz="1100">
+            <a:endParaRPr sz="1300">
               <a:latin typeface="Arial"/>
               <a:ea typeface="Arial"/>
               <a:cs typeface="Arial"/>
@@ -13977,7 +14121,7 @@
             </a:endParaRPr>
           </a:p>
           <a:p>
-            <a:pPr indent="-293211" lvl="1" marL="914400" rtl="0" algn="l">
+            <a:pPr indent="-311150" lvl="1" marL="914400" rtl="0" algn="l">
               <a:lnSpc>
                 <a:spcPct val="115000"/>
               </a:lnSpc>
@@ -13987,11 +14131,11 @@
               <a:spcAft>
                 <a:spcPts val="0"/>
               </a:spcAft>
-              <a:buSzPct val="100000"/>
+              <a:buSzPts val="1300"/>
               <a:buChar char="○"/>
             </a:pPr>
             <a:r>
-              <a:rPr lang="en-US" sz="1100">
+              <a:rPr lang="en-US" sz="1300">
                 <a:latin typeface="Arial"/>
                 <a:ea typeface="Arial"/>
                 <a:cs typeface="Arial"/>
@@ -13999,7 +14143,7 @@
               </a:rPr>
               <a:t>All wines are distributed through the same distribution channels.</a:t>
             </a:r>
-            <a:endParaRPr sz="1100">
+            <a:endParaRPr sz="1300">
               <a:latin typeface="Arial"/>
               <a:ea typeface="Arial"/>
               <a:cs typeface="Arial"/>
@@ -14007,7 +14151,7 @@
             </a:endParaRPr>
           </a:p>
           <a:p>
-            <a:pPr indent="-293211" lvl="1" marL="914400" rtl="0" algn="l">
+            <a:pPr indent="-311150" lvl="1" marL="914400" rtl="0" algn="l">
               <a:lnSpc>
                 <a:spcPct val="115000"/>
               </a:lnSpc>
@@ -14017,11 +14161,11 @@
               <a:spcAft>
                 <a:spcPts val="0"/>
               </a:spcAft>
-              <a:buSzPct val="100000"/>
+              <a:buSzPts val="1300"/>
               <a:buChar char="○"/>
             </a:pPr>
             <a:r>
-              <a:rPr lang="en-US" sz="1100">
+              <a:rPr lang="en-US" sz="1300">
                 <a:latin typeface="Arial"/>
                 <a:ea typeface="Arial"/>
                 <a:cs typeface="Arial"/>
@@ -14029,7 +14173,7 @@
               </a:rPr>
               <a:t>The winery has a system in place to track wine sales and distribution.</a:t>
             </a:r>
-            <a:endParaRPr sz="1100">
+            <a:endParaRPr sz="1300">
               <a:latin typeface="Arial"/>
               <a:ea typeface="Arial"/>
               <a:cs typeface="Arial"/>
@@ -14037,7 +14181,7 @@
             </a:endParaRPr>
           </a:p>
           <a:p>
-            <a:pPr indent="-293211" lvl="1" marL="914400" rtl="0" algn="l">
+            <a:pPr indent="-311150" lvl="1" marL="914400" rtl="0" algn="l">
               <a:lnSpc>
                 <a:spcPct val="115000"/>
               </a:lnSpc>
@@ -14047,11 +14191,11 @@
               <a:spcAft>
                 <a:spcPts val="0"/>
               </a:spcAft>
-              <a:buSzPct val="100000"/>
+              <a:buSzPts val="1300"/>
               <a:buChar char="○"/>
             </a:pPr>
             <a:r>
-              <a:rPr lang="en-US" sz="1100">
+              <a:rPr lang="en-US" sz="1300">
                 <a:latin typeface="Arial"/>
                 <a:ea typeface="Arial"/>
                 <a:cs typeface="Arial"/>
@@ -14059,36 +14203,61 @@
               </a:rPr>
               <a:t>The winery operates year-round.</a:t>
             </a:r>
-            <a:endParaRPr/>
+            <a:endParaRPr sz="2200"/>
           </a:p>
         </p:txBody>
       </p:sp>
+    </p:spTree>
+  </p:cSld>
+  <p:clrMapOvr>
+    <a:masterClrMapping/>
+  </p:clrMapOvr>
+</p:sld>
+</file>
+
+<file path=ppt/slides/slide4.xml><?xml version="1.0" encoding="utf-8"?>
+<p:sld xmlns:a="http://schemas.openxmlformats.org/drawingml/2006/main" xmlns:r="http://schemas.openxmlformats.org/officeDocument/2006/relationships" xmlns:mc="http://schemas.openxmlformats.org/markup-compatibility/2006" xmlns:mv="urn:schemas-microsoft-com:mac:vml" xmlns:p="http://schemas.openxmlformats.org/presentationml/2006/main" xmlns:c="http://schemas.openxmlformats.org/drawingml/2006/chart" xmlns:dgm="http://schemas.openxmlformats.org/drawingml/2006/diagram" xmlns:o="urn:schemas-microsoft-com:office:office" xmlns:v="urn:schemas-microsoft-com:vml" xmlns:pvml="urn:schemas-microsoft-com:office:powerpoint" xmlns:com="http://schemas.openxmlformats.org/drawingml/2006/compatibility" xmlns:p14="http://schemas.microsoft.com/office/powerpoint/2010/main" xmlns:p15="http://schemas.microsoft.com/office/powerpoint/2012/main" xmlns:ahyp="http://schemas.microsoft.com/office/drawing/2018/hyperlinkcolor">
+  <p:cSld>
+    <p:spTree>
+      <p:nvGrpSpPr>
+        <p:cNvPr id="118" name="Shape 118"/>
+        <p:cNvGrpSpPr/>
+        <p:nvPr/>
+      </p:nvGrpSpPr>
+      <p:grpSpPr>
+        <a:xfrm>
+          <a:off x="0" y="0"/>
+          <a:ext cx="0" cy="0"/>
+          <a:chOff x="0" y="0"/>
+          <a:chExt cx="0" cy="0"/>
+        </a:xfrm>
+      </p:grpSpPr>
       <p:sp>
         <p:nvSpPr>
-          <p:cNvPr id="114" name="Google Shape;114;g2594f46422e_0_23"/>
+          <p:cNvPr id="119" name="Google Shape;119;g23198fded8a_0_0"/>
           <p:cNvSpPr txBox="1"/>
           <p:nvPr>
-            <p:ph idx="3" type="body"/>
+            <p:ph type="title"/>
           </p:nvPr>
         </p:nvSpPr>
         <p:spPr>
           <a:xfrm>
-            <a:off x="4572000" y="1282139"/>
-            <a:ext cx="4041900" cy="479700"/>
+            <a:off x="601670" y="281175"/>
+            <a:ext cx="7940700" cy="610800"/>
           </a:xfrm>
           <a:prstGeom prst="rect">
             <a:avLst/>
           </a:prstGeom>
         </p:spPr>
         <p:txBody>
-          <a:bodyPr anchorCtr="0" anchor="b" bIns="45700" lIns="91425" spcFirstLastPara="1" rIns="91425" wrap="square" tIns="45700">
-            <a:normAutofit/>
+          <a:bodyPr anchorCtr="0" anchor="ctr" bIns="45700" lIns="91425" spcFirstLastPara="1" rIns="91425" wrap="square" tIns="45700">
+            <a:normAutofit fontScale="90000"/>
           </a:bodyPr>
           <a:lstStyle/>
           <a:p>
-            <a:pPr indent="0" lvl="0" marL="0" rtl="0" algn="ctr">
-              <a:spcBef>
-                <a:spcPts val="480"/>
+            <a:pPr indent="0" lvl="0" marL="0" rtl="0" algn="l">
+              <a:spcBef>
+                <a:spcPts val="0"/>
               </a:spcBef>
               <a:spcAft>
                 <a:spcPts val="0"/>
@@ -14097,7 +14266,7 @@
             </a:pPr>
             <a:r>
               <a:rPr lang="en-US"/>
-              <a:t>Bacchus Relational Diagram</a:t>
+              <a:t>Relational Diagram</a:t>
             </a:r>
             <a:endParaRPr/>
           </a:p>
@@ -14105,7 +14274,7 @@
       </p:sp>
       <p:sp>
         <p:nvSpPr>
-          <p:cNvPr id="115" name="Google Shape;115;g2594f46422e_0_23"/>
+          <p:cNvPr id="120" name="Google Shape;120;g23198fded8a_0_0"/>
           <p:cNvSpPr txBox="1"/>
           <p:nvPr>
             <p:ph idx="4" type="body"/>
@@ -14144,7 +14313,7 @@
       </p:sp>
       <p:pic>
         <p:nvPicPr>
-          <p:cNvPr id="116" name="Google Shape;116;g2594f46422e_0_23"/>
+          <p:cNvPr id="121" name="Google Shape;121;g23198fded8a_0_0"/>
           <p:cNvPicPr preferRelativeResize="0"/>
           <p:nvPr/>
         </p:nvPicPr>
@@ -14158,8 +14327,8 @@
         </p:blipFill>
         <p:spPr>
           <a:xfrm>
-            <a:off x="4426806" y="1693100"/>
-            <a:ext cx="4717190" cy="3450399"/>
+            <a:off x="0" y="1100550"/>
+            <a:ext cx="9144001" cy="4042950"/>
           </a:xfrm>
           <a:prstGeom prst="rect">
             <a:avLst/>
@@ -14178,12 +14347,12 @@
 </p:sld>
 </file>
 
-<file path=ppt/slides/slide4.xml><?xml version="1.0" encoding="utf-8"?>
+<file path=ppt/slides/slide5.xml><?xml version="1.0" encoding="utf-8"?>
 <p:sld xmlns:a="http://schemas.openxmlformats.org/drawingml/2006/main" xmlns:r="http://schemas.openxmlformats.org/officeDocument/2006/relationships" xmlns:mc="http://schemas.openxmlformats.org/markup-compatibility/2006" xmlns:mv="urn:schemas-microsoft-com:mac:vml" xmlns:p="http://schemas.openxmlformats.org/presentationml/2006/main" xmlns:c="http://schemas.openxmlformats.org/drawingml/2006/chart" xmlns:dgm="http://schemas.openxmlformats.org/drawingml/2006/diagram" xmlns:o="urn:schemas-microsoft-com:office:office" xmlns:v="urn:schemas-microsoft-com:vml" xmlns:pvml="urn:schemas-microsoft-com:office:powerpoint" xmlns:com="http://schemas.openxmlformats.org/drawingml/2006/compatibility" xmlns:p14="http://schemas.microsoft.com/office/powerpoint/2010/main" xmlns:p15="http://schemas.microsoft.com/office/powerpoint/2012/main" xmlns:ahyp="http://schemas.microsoft.com/office/drawing/2018/hyperlinkcolor">
   <p:cSld>
     <p:spTree>
       <p:nvGrpSpPr>
-        <p:cNvPr id="121" name="Shape 121"/>
+        <p:cNvPr id="126" name="Shape 126"/>
         <p:cNvGrpSpPr/>
         <p:nvPr/>
       </p:nvGrpSpPr>
@@ -14197,7 +14366,7 @@
       </p:grpSpPr>
       <p:sp>
         <p:nvSpPr>
-          <p:cNvPr id="122" name="Google Shape;122;g2594f46422e_0_17"/>
+          <p:cNvPr id="127" name="Google Shape;127;g2594f46422e_0_17"/>
           <p:cNvSpPr txBox="1"/>
           <p:nvPr>
             <p:ph type="title"/>
@@ -14237,7 +14406,7 @@
       </p:sp>
       <p:sp>
         <p:nvSpPr>
-          <p:cNvPr id="123" name="Google Shape;123;g2594f46422e_0_17"/>
+          <p:cNvPr id="128" name="Google Shape;128;g2594f46422e_0_17"/>
           <p:cNvSpPr txBox="1"/>
           <p:nvPr>
             <p:ph idx="1" type="body"/>
@@ -14283,12 +14452,12 @@
 </p:sld>
 </file>
 
-<file path=ppt/slides/slide5.xml><?xml version="1.0" encoding="utf-8"?>
+<file path=ppt/slides/slide6.xml><?xml version="1.0" encoding="utf-8"?>
 <p:sld xmlns:a="http://schemas.openxmlformats.org/drawingml/2006/main" xmlns:r="http://schemas.openxmlformats.org/officeDocument/2006/relationships" xmlns:mc="http://schemas.openxmlformats.org/markup-compatibility/2006" xmlns:mv="urn:schemas-microsoft-com:mac:vml" xmlns:p="http://schemas.openxmlformats.org/presentationml/2006/main" xmlns:c="http://schemas.openxmlformats.org/drawingml/2006/chart" xmlns:dgm="http://schemas.openxmlformats.org/drawingml/2006/diagram" xmlns:o="urn:schemas-microsoft-com:office:office" xmlns:v="urn:schemas-microsoft-com:vml" xmlns:pvml="urn:schemas-microsoft-com:office:powerpoint" xmlns:com="http://schemas.openxmlformats.org/drawingml/2006/compatibility" xmlns:p14="http://schemas.microsoft.com/office/powerpoint/2010/main" xmlns:p15="http://schemas.microsoft.com/office/powerpoint/2012/main" xmlns:ahyp="http://schemas.microsoft.com/office/drawing/2018/hyperlinkcolor">
   <p:cSld>
     <p:spTree>
       <p:nvGrpSpPr>
-        <p:cNvPr id="127" name="Shape 127"/>
+        <p:cNvPr id="132" name="Shape 132"/>
         <p:cNvGrpSpPr/>
         <p:nvPr/>
       </p:nvGrpSpPr>
@@ -14302,7 +14471,7 @@
       </p:grpSpPr>
       <p:sp>
         <p:nvSpPr>
-          <p:cNvPr id="128" name="Google Shape;128;p2"/>
+          <p:cNvPr id="133" name="Google Shape;133;p2"/>
           <p:cNvSpPr txBox="1"/>
           <p:nvPr>
             <p:ph type="title"/>
@@ -14351,7 +14520,7 @@
       </p:sp>
       <p:sp>
         <p:nvSpPr>
-          <p:cNvPr id="129" name="Google Shape;129;p2"/>
+          <p:cNvPr id="134" name="Google Shape;134;p2"/>
           <p:cNvSpPr txBox="1"/>
           <p:nvPr>
             <p:ph idx="1" type="body"/>
@@ -14564,12 +14733,12 @@
 </p:sld>
 </file>
 
-<file path=ppt/slides/slide6.xml><?xml version="1.0" encoding="utf-8"?>
+<file path=ppt/slides/slide7.xml><?xml version="1.0" encoding="utf-8"?>
 <p:sld xmlns:a="http://schemas.openxmlformats.org/drawingml/2006/main" xmlns:r="http://schemas.openxmlformats.org/officeDocument/2006/relationships" xmlns:mc="http://schemas.openxmlformats.org/markup-compatibility/2006" xmlns:mv="urn:schemas-microsoft-com:mac:vml" xmlns:p="http://schemas.openxmlformats.org/presentationml/2006/main" xmlns:c="http://schemas.openxmlformats.org/drawingml/2006/chart" xmlns:dgm="http://schemas.openxmlformats.org/drawingml/2006/diagram" xmlns:o="urn:schemas-microsoft-com:office:office" xmlns:v="urn:schemas-microsoft-com:vml" xmlns:pvml="urn:schemas-microsoft-com:office:powerpoint" xmlns:com="http://schemas.openxmlformats.org/drawingml/2006/compatibility" xmlns:p14="http://schemas.microsoft.com/office/powerpoint/2010/main" xmlns:p15="http://schemas.microsoft.com/office/powerpoint/2012/main" xmlns:ahyp="http://schemas.microsoft.com/office/drawing/2018/hyperlinkcolor">
   <p:cSld>
     <p:spTree>
       <p:nvGrpSpPr>
-        <p:cNvPr id="133" name="Shape 133"/>
+        <p:cNvPr id="138" name="Shape 138"/>
         <p:cNvGrpSpPr/>
         <p:nvPr/>
       </p:nvGrpSpPr>
@@ -14583,7 +14752,7 @@
       </p:grpSpPr>
       <p:sp>
         <p:nvSpPr>
-          <p:cNvPr id="134" name="Google Shape;134;p3"/>
+          <p:cNvPr id="139" name="Google Shape;139;p3"/>
           <p:cNvSpPr txBox="1"/>
           <p:nvPr>
             <p:ph type="title"/>
@@ -14632,7 +14801,7 @@
       </p:sp>
       <p:pic>
         <p:nvPicPr>
-          <p:cNvPr id="135" name="Google Shape;135;p3"/>
+          <p:cNvPr id="140" name="Google Shape;140;p3"/>
           <p:cNvPicPr preferRelativeResize="0"/>
           <p:nvPr/>
         </p:nvPicPr>
@@ -14646,7 +14815,7 @@
         </p:blipFill>
         <p:spPr>
           <a:xfrm>
-            <a:off x="506150" y="974069"/>
+            <a:off x="501225" y="944569"/>
             <a:ext cx="7715250" cy="3867150"/>
           </a:xfrm>
           <a:prstGeom prst="rect">
@@ -14666,12 +14835,12 @@
 </p:sld>
 </file>
 
-<file path=ppt/slides/slide7.xml><?xml version="1.0" encoding="utf-8"?>
+<file path=ppt/slides/slide8.xml><?xml version="1.0" encoding="utf-8"?>
 <p:sld xmlns:a="http://schemas.openxmlformats.org/drawingml/2006/main" xmlns:r="http://schemas.openxmlformats.org/officeDocument/2006/relationships" xmlns:mc="http://schemas.openxmlformats.org/markup-compatibility/2006" xmlns:mv="urn:schemas-microsoft-com:mac:vml" xmlns:p="http://schemas.openxmlformats.org/presentationml/2006/main" xmlns:c="http://schemas.openxmlformats.org/drawingml/2006/chart" xmlns:dgm="http://schemas.openxmlformats.org/drawingml/2006/diagram" xmlns:o="urn:schemas-microsoft-com:office:office" xmlns:v="urn:schemas-microsoft-com:vml" xmlns:pvml="urn:schemas-microsoft-com:office:powerpoint" xmlns:com="http://schemas.openxmlformats.org/drawingml/2006/compatibility" xmlns:p14="http://schemas.microsoft.com/office/powerpoint/2010/main" xmlns:p15="http://schemas.microsoft.com/office/powerpoint/2012/main" xmlns:ahyp="http://schemas.microsoft.com/office/drawing/2018/hyperlinkcolor">
   <p:cSld>
     <p:spTree>
       <p:nvGrpSpPr>
-        <p:cNvPr id="139" name="Shape 139"/>
+        <p:cNvPr id="144" name="Shape 144"/>
         <p:cNvGrpSpPr/>
         <p:nvPr/>
       </p:nvGrpSpPr>
@@ -14685,7 +14854,7 @@
       </p:grpSpPr>
       <p:sp>
         <p:nvSpPr>
-          <p:cNvPr id="140" name="Google Shape;140;g2594f46422e_0_1"/>
+          <p:cNvPr id="145" name="Google Shape;145;g2594f46422e_0_1"/>
           <p:cNvSpPr txBox="1"/>
           <p:nvPr>
             <p:ph type="title"/>
@@ -14734,7 +14903,7 @@
       </p:sp>
       <p:pic>
         <p:nvPicPr>
-          <p:cNvPr id="141" name="Google Shape;141;g2594f46422e_0_1"/>
+          <p:cNvPr id="146" name="Google Shape;146;g2594f46422e_0_1"/>
           <p:cNvPicPr preferRelativeResize="0"/>
           <p:nvPr/>
         </p:nvPicPr>
@@ -14767,12 +14936,12 @@
 </p:sld>
 </file>
 
-<file path=ppt/slides/slide8.xml><?xml version="1.0" encoding="utf-8"?>
+<file path=ppt/slides/slide9.xml><?xml version="1.0" encoding="utf-8"?>
 <p:sld xmlns:a="http://schemas.openxmlformats.org/drawingml/2006/main" xmlns:r="http://schemas.openxmlformats.org/officeDocument/2006/relationships" xmlns:mc="http://schemas.openxmlformats.org/markup-compatibility/2006" xmlns:mv="urn:schemas-microsoft-com:mac:vml" xmlns:p="http://schemas.openxmlformats.org/presentationml/2006/main" xmlns:c="http://schemas.openxmlformats.org/drawingml/2006/chart" xmlns:dgm="http://schemas.openxmlformats.org/drawingml/2006/diagram" xmlns:o="urn:schemas-microsoft-com:office:office" xmlns:v="urn:schemas-microsoft-com:vml" xmlns:pvml="urn:schemas-microsoft-com:office:powerpoint" xmlns:com="http://schemas.openxmlformats.org/drawingml/2006/compatibility" xmlns:p14="http://schemas.microsoft.com/office/powerpoint/2010/main" xmlns:p15="http://schemas.microsoft.com/office/powerpoint/2012/main" xmlns:ahyp="http://schemas.microsoft.com/office/drawing/2018/hyperlinkcolor">
   <p:cSld>
     <p:spTree>
       <p:nvGrpSpPr>
-        <p:cNvPr id="145" name="Shape 145"/>
+        <p:cNvPr id="150" name="Shape 150"/>
         <p:cNvGrpSpPr/>
         <p:nvPr/>
       </p:nvGrpSpPr>
@@ -14786,7 +14955,7 @@
       </p:grpSpPr>
       <p:sp>
         <p:nvSpPr>
-          <p:cNvPr id="146" name="Google Shape;146;g2594f46422e_0_6"/>
+          <p:cNvPr id="151" name="Google Shape;151;g2594f46422e_0_6"/>
           <p:cNvSpPr txBox="1"/>
           <p:nvPr>
             <p:ph type="title"/>
@@ -14835,7 +15004,7 @@
       </p:sp>
       <p:pic>
         <p:nvPicPr>
-          <p:cNvPr id="147" name="Google Shape;147;g2594f46422e_0_6"/>
+          <p:cNvPr id="152" name="Google Shape;152;g2594f46422e_0_6"/>
           <p:cNvPicPr preferRelativeResize="0"/>
           <p:nvPr/>
         </p:nvPicPr>
